--- a/7.EvAnalysis(Mini Project)/EV_Population_Analytics_Presentation.pptx
+++ b/7.EvAnalysis(Mini Project)/EV_Population_Analytics_Presentation.pptx
@@ -372,7 +372,7 @@
           <a:p>
             <a:fld id="{5BCAD085-E8A6-8845-BD4E-CB4CCA059FC4}" type="datetimeFigureOut">
               <a:rPr lang="en-US" smtClean="0"/>
-              <a:t>9/23/2025</a:t>
+              <a:t>9/24/2025</a:t>
             </a:fld>
             <a:endParaRPr lang="en-US"/>
           </a:p>
@@ -619,7 +619,7 @@
           <a:p>
             <a:fld id="{5BCAD085-E8A6-8845-BD4E-CB4CCA059FC4}" type="datetimeFigureOut">
               <a:rPr lang="en-US" smtClean="0"/>
-              <a:t>9/23/2025</a:t>
+              <a:t>9/24/2025</a:t>
             </a:fld>
             <a:endParaRPr lang="en-US"/>
           </a:p>
@@ -854,7 +854,7 @@
           <a:p>
             <a:fld id="{5BCAD085-E8A6-8845-BD4E-CB4CCA059FC4}" type="datetimeFigureOut">
               <a:rPr lang="en-US" smtClean="0"/>
-              <a:t>9/23/2025</a:t>
+              <a:t>9/24/2025</a:t>
             </a:fld>
             <a:endParaRPr lang="en-US"/>
           </a:p>
@@ -1084,7 +1084,7 @@
           <a:p>
             <a:fld id="{5BCAD085-E8A6-8845-BD4E-CB4CCA059FC4}" type="datetimeFigureOut">
               <a:rPr lang="en-US" smtClean="0"/>
-              <a:t>9/23/2025</a:t>
+              <a:t>9/24/2025</a:t>
             </a:fld>
             <a:endParaRPr lang="en-US"/>
           </a:p>
@@ -1386,7 +1386,7 @@
           <a:p>
             <a:fld id="{5BCAD085-E8A6-8845-BD4E-CB4CCA059FC4}" type="datetimeFigureOut">
               <a:rPr lang="en-US" smtClean="0"/>
-              <a:t>9/23/2025</a:t>
+              <a:t>9/24/2025</a:t>
             </a:fld>
             <a:endParaRPr lang="en-US"/>
           </a:p>
@@ -1683,7 +1683,7 @@
           <a:p>
             <a:fld id="{5BCAD085-E8A6-8845-BD4E-CB4CCA059FC4}" type="datetimeFigureOut">
               <a:rPr lang="en-US" smtClean="0"/>
-              <a:t>9/23/2025</a:t>
+              <a:t>9/24/2025</a:t>
             </a:fld>
             <a:endParaRPr lang="en-US"/>
           </a:p>
@@ -2104,7 +2104,7 @@
           <a:p>
             <a:fld id="{5BCAD085-E8A6-8845-BD4E-CB4CCA059FC4}" type="datetimeFigureOut">
               <a:rPr lang="en-US" smtClean="0"/>
-              <a:t>9/23/2025</a:t>
+              <a:t>9/24/2025</a:t>
             </a:fld>
             <a:endParaRPr lang="en-US"/>
           </a:p>
@@ -2261,7 +2261,7 @@
           <a:p>
             <a:fld id="{5BCAD085-E8A6-8845-BD4E-CB4CCA059FC4}" type="datetimeFigureOut">
               <a:rPr lang="en-US" smtClean="0"/>
-              <a:t>9/23/2025</a:t>
+              <a:t>9/24/2025</a:t>
             </a:fld>
             <a:endParaRPr lang="en-US"/>
           </a:p>
@@ -2356,7 +2356,7 @@
           <a:p>
             <a:fld id="{5BCAD085-E8A6-8845-BD4E-CB4CCA059FC4}" type="datetimeFigureOut">
               <a:rPr lang="en-US" smtClean="0"/>
-              <a:t>9/23/2025</a:t>
+              <a:t>9/24/2025</a:t>
             </a:fld>
             <a:endParaRPr lang="en-US"/>
           </a:p>
@@ -2734,7 +2734,7 @@
           <a:p>
             <a:fld id="{5BCAD085-E8A6-8845-BD4E-CB4CCA059FC4}" type="datetimeFigureOut">
               <a:rPr lang="en-US" smtClean="0"/>
-              <a:t>9/23/2025</a:t>
+              <a:t>9/24/2025</a:t>
             </a:fld>
             <a:endParaRPr lang="en-US"/>
           </a:p>
@@ -3023,7 +3023,7 @@
           <a:p>
             <a:fld id="{5BCAD085-E8A6-8845-BD4E-CB4CCA059FC4}" type="datetimeFigureOut">
               <a:rPr lang="en-US" smtClean="0"/>
-              <a:t>9/23/2025</a:t>
+              <a:t>9/24/2025</a:t>
             </a:fld>
             <a:endParaRPr lang="en-US"/>
           </a:p>
@@ -3234,7 +3234,7 @@
           <a:p>
             <a:fld id="{5BCAD085-E8A6-8845-BD4E-CB4CCA059FC4}" type="datetimeFigureOut">
               <a:rPr lang="en-US" smtClean="0"/>
-              <a:t>9/23/2025</a:t>
+              <a:t>9/24/2025</a:t>
             </a:fld>
             <a:endParaRPr lang="en-US"/>
           </a:p>
